--- a/image/新建 Microsoft PowerPoint 演示文稿.pptx
+++ b/image/新建 Microsoft PowerPoint 演示文稿.pptx
@@ -8,6 +8,7 @@
     <p:sldId id="256" r:id="rId2"/>
     <p:sldId id="257" r:id="rId3"/>
     <p:sldId id="258" r:id="rId4"/>
+    <p:sldId id="259" r:id="rId5"/>
   </p:sldIdLst>
   <p:sldSz cx="12192000" cy="6858000"/>
   <p:notesSz cx="6858000" cy="9144000"/>
@@ -3308,7 +3309,7 @@
           <a:p>
             <a:fld id="{16754228-772C-4F87-B467-91EA4980387A}" type="datetimeFigureOut">
               <a:rPr lang="zh-CN" altLang="en-US" smtClean="0"/>
-              <a:t>2019/7/19</a:t>
+              <a:t>2019/7/21</a:t>
             </a:fld>
             <a:endParaRPr lang="zh-CN" altLang="en-US"/>
           </a:p>
@@ -3478,7 +3479,7 @@
           <a:p>
             <a:fld id="{16754228-772C-4F87-B467-91EA4980387A}" type="datetimeFigureOut">
               <a:rPr lang="zh-CN" altLang="en-US" smtClean="0"/>
-              <a:t>2019/7/19</a:t>
+              <a:t>2019/7/21</a:t>
             </a:fld>
             <a:endParaRPr lang="zh-CN" altLang="en-US"/>
           </a:p>
@@ -3658,7 +3659,7 @@
           <a:p>
             <a:fld id="{16754228-772C-4F87-B467-91EA4980387A}" type="datetimeFigureOut">
               <a:rPr lang="zh-CN" altLang="en-US" smtClean="0"/>
-              <a:t>2019/7/19</a:t>
+              <a:t>2019/7/21</a:t>
             </a:fld>
             <a:endParaRPr lang="zh-CN" altLang="en-US"/>
           </a:p>
@@ -3828,7 +3829,7 @@
           <a:p>
             <a:fld id="{16754228-772C-4F87-B467-91EA4980387A}" type="datetimeFigureOut">
               <a:rPr lang="zh-CN" altLang="en-US" smtClean="0"/>
-              <a:t>2019/7/19</a:t>
+              <a:t>2019/7/21</a:t>
             </a:fld>
             <a:endParaRPr lang="zh-CN" altLang="en-US"/>
           </a:p>
@@ -4074,7 +4075,7 @@
           <a:p>
             <a:fld id="{16754228-772C-4F87-B467-91EA4980387A}" type="datetimeFigureOut">
               <a:rPr lang="zh-CN" altLang="en-US" smtClean="0"/>
-              <a:t>2019/7/19</a:t>
+              <a:t>2019/7/21</a:t>
             </a:fld>
             <a:endParaRPr lang="zh-CN" altLang="en-US"/>
           </a:p>
@@ -4306,7 +4307,7 @@
           <a:p>
             <a:fld id="{16754228-772C-4F87-B467-91EA4980387A}" type="datetimeFigureOut">
               <a:rPr lang="zh-CN" altLang="en-US" smtClean="0"/>
-              <a:t>2019/7/19</a:t>
+              <a:t>2019/7/21</a:t>
             </a:fld>
             <a:endParaRPr lang="zh-CN" altLang="en-US"/>
           </a:p>
@@ -4673,7 +4674,7 @@
           <a:p>
             <a:fld id="{16754228-772C-4F87-B467-91EA4980387A}" type="datetimeFigureOut">
               <a:rPr lang="zh-CN" altLang="en-US" smtClean="0"/>
-              <a:t>2019/7/19</a:t>
+              <a:t>2019/7/21</a:t>
             </a:fld>
             <a:endParaRPr lang="zh-CN" altLang="en-US"/>
           </a:p>
@@ -4791,7 +4792,7 @@
           <a:p>
             <a:fld id="{16754228-772C-4F87-B467-91EA4980387A}" type="datetimeFigureOut">
               <a:rPr lang="zh-CN" altLang="en-US" smtClean="0"/>
-              <a:t>2019/7/19</a:t>
+              <a:t>2019/7/21</a:t>
             </a:fld>
             <a:endParaRPr lang="zh-CN" altLang="en-US"/>
           </a:p>
@@ -4886,7 +4887,7 @@
           <a:p>
             <a:fld id="{16754228-772C-4F87-B467-91EA4980387A}" type="datetimeFigureOut">
               <a:rPr lang="zh-CN" altLang="en-US" smtClean="0"/>
-              <a:t>2019/7/19</a:t>
+              <a:t>2019/7/21</a:t>
             </a:fld>
             <a:endParaRPr lang="zh-CN" altLang="en-US"/>
           </a:p>
@@ -5163,7 +5164,7 @@
           <a:p>
             <a:fld id="{16754228-772C-4F87-B467-91EA4980387A}" type="datetimeFigureOut">
               <a:rPr lang="zh-CN" altLang="en-US" smtClean="0"/>
-              <a:t>2019/7/19</a:t>
+              <a:t>2019/7/21</a:t>
             </a:fld>
             <a:endParaRPr lang="zh-CN" altLang="en-US"/>
           </a:p>
@@ -5416,7 +5417,7 @@
           <a:p>
             <a:fld id="{16754228-772C-4F87-B467-91EA4980387A}" type="datetimeFigureOut">
               <a:rPr lang="zh-CN" altLang="en-US" smtClean="0"/>
-              <a:t>2019/7/19</a:t>
+              <a:t>2019/7/21</a:t>
             </a:fld>
             <a:endParaRPr lang="zh-CN" altLang="en-US"/>
           </a:p>
@@ -5629,7 +5630,7 @@
           <a:p>
             <a:fld id="{16754228-772C-4F87-B467-91EA4980387A}" type="datetimeFigureOut">
               <a:rPr lang="zh-CN" altLang="en-US" smtClean="0"/>
-              <a:t>2019/7/19</a:t>
+              <a:t>2019/7/21</a:t>
             </a:fld>
             <a:endParaRPr lang="zh-CN" altLang="en-US"/>
           </a:p>
@@ -7272,7 +7273,7 @@
         <p:spPr>
           <a:xfrm>
             <a:off x="2732725" y="6021578"/>
-            <a:ext cx="4066391" cy="646331"/>
+            <a:ext cx="4066391" cy="923330"/>
           </a:xfrm>
           <a:prstGeom prst="rect">
             <a:avLst/>
@@ -7286,7 +7287,18 @@
           <a:p>
             <a:r>
               <a:rPr lang="zh-CN" altLang="en-US" dirty="0" smtClean="0"/>
-              <a:t>正在运行的任务，需要等待一段时间或需要等待一个事件发生再运行时</a:t>
+              <a:t>正在运行的任务，需要等待一段时间或需要等待一个事件发生再运行</a:t>
+            </a:r>
+            <a:r>
+              <a:rPr lang="zh-CN" altLang="en-US" dirty="0" smtClean="0"/>
+              <a:t>时</a:t>
+            </a:r>
+            <a:endParaRPr lang="en-US" altLang="zh-CN" dirty="0" smtClean="0"/>
+          </a:p>
+          <a:p>
+            <a:r>
+              <a:rPr lang="en-US" altLang="zh-CN" dirty="0" smtClean="0"/>
+              <a:t>Pending or Suspended</a:t>
             </a:r>
             <a:endParaRPr lang="zh-CN" altLang="en-US" dirty="0"/>
           </a:p>
@@ -8005,15 +8017,7 @@
                   <a:schemeClr val="accent1"/>
                 </a:solidFill>
               </a:rPr>
-              <a:t>任务</a:t>
-            </a:r>
-            <a:r>
-              <a:rPr lang="zh-CN" altLang="en-US" dirty="0" smtClean="0">
-                <a:solidFill>
-                  <a:schemeClr val="accent1"/>
-                </a:solidFill>
-              </a:rPr>
-              <a:t>切换</a:t>
+              <a:t>任务切换</a:t>
             </a:r>
             <a:endParaRPr lang="en-US" altLang="zh-CN" dirty="0" smtClean="0">
               <a:solidFill>
@@ -9888,6 +9892,1653 @@
 </p:sld>
 </file>
 
+<file path=ppt/slides/slide4.xml><?xml version="1.0" encoding="utf-8"?>
+<p:sld xmlns:a="http://schemas.openxmlformats.org/drawingml/2006/main" xmlns:r="http://schemas.openxmlformats.org/officeDocument/2006/relationships" xmlns:p="http://schemas.openxmlformats.org/presentationml/2006/main">
+  <p:cSld>
+    <p:spTree>
+      <p:nvGrpSpPr>
+        <p:cNvPr id="1" name=""/>
+        <p:cNvGrpSpPr/>
+        <p:nvPr/>
+      </p:nvGrpSpPr>
+      <p:grpSpPr>
+        <a:xfrm>
+          <a:off x="0" y="0"/>
+          <a:ext cx="0" cy="0"/>
+          <a:chOff x="0" y="0"/>
+          <a:chExt cx="0" cy="0"/>
+        </a:xfrm>
+      </p:grpSpPr>
+      <p:sp>
+        <p:nvSpPr>
+          <p:cNvPr id="2" name="标题 1"/>
+          <p:cNvSpPr>
+            <a:spLocks noGrp="1"/>
+          </p:cNvSpPr>
+          <p:nvPr>
+            <p:ph type="title"/>
+          </p:nvPr>
+        </p:nvSpPr>
+        <p:spPr>
+          <a:xfrm>
+            <a:off x="478324" y="257563"/>
+            <a:ext cx="3073055" cy="570079"/>
+          </a:xfrm>
+        </p:spPr>
+        <p:txBody>
+          <a:bodyPr>
+            <a:normAutofit fontScale="90000"/>
+          </a:bodyPr>
+          <a:lstStyle/>
+          <a:p>
+            <a:r>
+              <a:rPr lang="zh-CN" altLang="en-US" dirty="0" smtClean="0"/>
+              <a:t>时间等待表</a:t>
+            </a:r>
+            <a:endParaRPr lang="zh-CN" altLang="en-US" dirty="0"/>
+          </a:p>
+        </p:txBody>
+      </p:sp>
+      <p:graphicFrame>
+        <p:nvGraphicFramePr>
+          <p:cNvPr id="5" name="表格 4"/>
+          <p:cNvGraphicFramePr>
+            <a:graphicFrameLocks noGrp="1"/>
+          </p:cNvGraphicFramePr>
+          <p:nvPr>
+            <p:extLst/>
+          </p:nvPr>
+        </p:nvGraphicFramePr>
+        <p:xfrm>
+          <a:off x="3598043" y="1818292"/>
+          <a:ext cx="4106040" cy="3217974"/>
+        </p:xfrm>
+        <a:graphic>
+          <a:graphicData uri="http://schemas.openxmlformats.org/drawingml/2006/table">
+            <a:tbl>
+              <a:tblPr firstRow="1" bandRow="1">
+                <a:tableStyleId>{5C22544A-7EE6-4342-B048-85BDC9FD1C3A}</a:tableStyleId>
+              </a:tblPr>
+              <a:tblGrid>
+                <a:gridCol w="821208">
+                  <a:extLst>
+                    <a:ext uri="{9D8B030D-6E8A-4147-A177-3AD203B41FA5}">
+                      <a16:colId xmlns:a16="http://schemas.microsoft.com/office/drawing/2014/main" val="3925016222"/>
+                    </a:ext>
+                  </a:extLst>
+                </a:gridCol>
+                <a:gridCol w="821208">
+                  <a:extLst>
+                    <a:ext uri="{9D8B030D-6E8A-4147-A177-3AD203B41FA5}">
+                      <a16:colId xmlns:a16="http://schemas.microsoft.com/office/drawing/2014/main" val="1000469538"/>
+                    </a:ext>
+                  </a:extLst>
+                </a:gridCol>
+                <a:gridCol w="821208">
+                  <a:extLst>
+                    <a:ext uri="{9D8B030D-6E8A-4147-A177-3AD203B41FA5}">
+                      <a16:colId xmlns:a16="http://schemas.microsoft.com/office/drawing/2014/main" val="3532943145"/>
+                    </a:ext>
+                  </a:extLst>
+                </a:gridCol>
+                <a:gridCol w="821208">
+                  <a:extLst>
+                    <a:ext uri="{9D8B030D-6E8A-4147-A177-3AD203B41FA5}">
+                      <a16:colId xmlns:a16="http://schemas.microsoft.com/office/drawing/2014/main" val="3262582348"/>
+                    </a:ext>
+                  </a:extLst>
+                </a:gridCol>
+                <a:gridCol w="821208">
+                  <a:extLst>
+                    <a:ext uri="{9D8B030D-6E8A-4147-A177-3AD203B41FA5}">
+                      <a16:colId xmlns:a16="http://schemas.microsoft.com/office/drawing/2014/main" val="2807816250"/>
+                    </a:ext>
+                  </a:extLst>
+                </a:gridCol>
+              </a:tblGrid>
+              <a:tr h="536329">
+                <a:tc>
+                  <a:txBody>
+                    <a:bodyPr/>
+                    <a:lstStyle/>
+                    <a:p>
+                      <a:pPr algn="ctr"/>
+                      <a:r>
+                        <a:rPr lang="en-US" altLang="zh-CN" dirty="0" smtClean="0"/>
+                        <a:t>0</a:t>
+                      </a:r>
+                      <a:endParaRPr lang="zh-CN" altLang="en-US" dirty="0"/>
+                    </a:p>
+                  </a:txBody>
+                  <a:tcPr anchor="ctr">
+                    <a:solidFill>
+                      <a:srgbClr val="92D050"/>
+                    </a:solidFill>
+                  </a:tcPr>
+                </a:tc>
+                <a:tc>
+                  <a:txBody>
+                    <a:bodyPr/>
+                    <a:lstStyle/>
+                    <a:p>
+                      <a:pPr algn="ctr"/>
+                      <a:r>
+                        <a:rPr lang="en-US" altLang="zh-CN" dirty="0" smtClean="0"/>
+                        <a:t>0</a:t>
+                      </a:r>
+                      <a:endParaRPr lang="zh-CN" altLang="en-US" dirty="0"/>
+                    </a:p>
+                  </a:txBody>
+                  <a:tcPr anchor="ctr">
+                    <a:solidFill>
+                      <a:srgbClr val="92D050"/>
+                    </a:solidFill>
+                  </a:tcPr>
+                </a:tc>
+                <a:tc>
+                  <a:txBody>
+                    <a:bodyPr/>
+                    <a:lstStyle/>
+                    <a:p>
+                      <a:pPr algn="ctr"/>
+                      <a:r>
+                        <a:rPr lang="en-US" altLang="zh-CN" dirty="0" smtClean="0"/>
+                        <a:t>0</a:t>
+                      </a:r>
+                      <a:endParaRPr lang="zh-CN" altLang="en-US" dirty="0"/>
+                    </a:p>
+                  </a:txBody>
+                  <a:tcPr anchor="ctr">
+                    <a:solidFill>
+                      <a:srgbClr val="92D050"/>
+                    </a:solidFill>
+                  </a:tcPr>
+                </a:tc>
+                <a:tc>
+                  <a:txBody>
+                    <a:bodyPr/>
+                    <a:lstStyle/>
+                    <a:p>
+                      <a:pPr algn="ctr"/>
+                      <a:r>
+                        <a:rPr lang="en-US" altLang="zh-CN" dirty="0" smtClean="0"/>
+                        <a:t>0</a:t>
+                      </a:r>
+                      <a:endParaRPr lang="zh-CN" altLang="en-US" dirty="0"/>
+                    </a:p>
+                  </a:txBody>
+                  <a:tcPr anchor="ctr">
+                    <a:solidFill>
+                      <a:srgbClr val="92D050"/>
+                    </a:solidFill>
+                  </a:tcPr>
+                </a:tc>
+                <a:tc>
+                  <a:txBody>
+                    <a:bodyPr/>
+                    <a:lstStyle/>
+                    <a:p>
+                      <a:pPr algn="ctr"/>
+                      <a:r>
+                        <a:rPr lang="en-US" altLang="zh-CN" dirty="0" smtClean="0"/>
+                        <a:t>0</a:t>
+                      </a:r>
+                      <a:endParaRPr lang="zh-CN" altLang="en-US" dirty="0"/>
+                    </a:p>
+                  </a:txBody>
+                  <a:tcPr anchor="ctr">
+                    <a:solidFill>
+                      <a:srgbClr val="92D050"/>
+                    </a:solidFill>
+                  </a:tcPr>
+                </a:tc>
+                <a:extLst>
+                  <a:ext uri="{0D108BD9-81ED-4DB2-BD59-A6C34878D82A}">
+                    <a16:rowId xmlns:a16="http://schemas.microsoft.com/office/drawing/2014/main" val="2935096290"/>
+                  </a:ext>
+                </a:extLst>
+              </a:tr>
+              <a:tr h="536329">
+                <a:tc>
+                  <a:txBody>
+                    <a:bodyPr/>
+                    <a:lstStyle/>
+                    <a:p>
+                      <a:pPr algn="ctr"/>
+                      <a:r>
+                        <a:rPr lang="en-US" altLang="zh-CN" dirty="0" smtClean="0"/>
+                        <a:t>0</a:t>
+                      </a:r>
+                      <a:endParaRPr lang="zh-CN" altLang="en-US" dirty="0"/>
+                    </a:p>
+                  </a:txBody>
+                  <a:tcPr anchor="ctr">
+                    <a:solidFill>
+                      <a:srgbClr val="00B0F0"/>
+                    </a:solidFill>
+                  </a:tcPr>
+                </a:tc>
+                <a:tc>
+                  <a:txBody>
+                    <a:bodyPr/>
+                    <a:lstStyle/>
+                    <a:p>
+                      <a:pPr algn="ctr"/>
+                      <a:r>
+                        <a:rPr lang="en-US" altLang="zh-CN" dirty="0" smtClean="0"/>
+                        <a:t>0</a:t>
+                      </a:r>
+                      <a:endParaRPr lang="zh-CN" altLang="en-US" dirty="0"/>
+                    </a:p>
+                  </a:txBody>
+                  <a:tcPr anchor="ctr">
+                    <a:solidFill>
+                      <a:srgbClr val="00B0F0"/>
+                    </a:solidFill>
+                  </a:tcPr>
+                </a:tc>
+                <a:tc>
+                  <a:txBody>
+                    <a:bodyPr/>
+                    <a:lstStyle/>
+                    <a:p>
+                      <a:pPr algn="ctr"/>
+                      <a:r>
+                        <a:rPr lang="en-US" altLang="zh-CN" dirty="0" smtClean="0"/>
+                        <a:t>0</a:t>
+                      </a:r>
+                      <a:endParaRPr lang="zh-CN" altLang="en-US" dirty="0"/>
+                    </a:p>
+                  </a:txBody>
+                  <a:tcPr anchor="ctr">
+                    <a:solidFill>
+                      <a:srgbClr val="00B0F0"/>
+                    </a:solidFill>
+                  </a:tcPr>
+                </a:tc>
+                <a:tc>
+                  <a:txBody>
+                    <a:bodyPr/>
+                    <a:lstStyle/>
+                    <a:p>
+                      <a:pPr algn="ctr"/>
+                      <a:r>
+                        <a:rPr lang="en-US" altLang="zh-CN" dirty="0" smtClean="0"/>
+                        <a:t>0</a:t>
+                      </a:r>
+                      <a:endParaRPr lang="zh-CN" altLang="en-US" dirty="0"/>
+                    </a:p>
+                  </a:txBody>
+                  <a:tcPr anchor="ctr">
+                    <a:solidFill>
+                      <a:srgbClr val="00B0F0"/>
+                    </a:solidFill>
+                  </a:tcPr>
+                </a:tc>
+                <a:tc>
+                  <a:txBody>
+                    <a:bodyPr/>
+                    <a:lstStyle/>
+                    <a:p>
+                      <a:pPr algn="ctr"/>
+                      <a:r>
+                        <a:rPr lang="en-US" altLang="zh-CN" dirty="0" smtClean="0"/>
+                        <a:t>0</a:t>
+                      </a:r>
+                      <a:endParaRPr lang="zh-CN" altLang="en-US" dirty="0"/>
+                    </a:p>
+                  </a:txBody>
+                  <a:tcPr anchor="ctr">
+                    <a:solidFill>
+                      <a:srgbClr val="00B0F0"/>
+                    </a:solidFill>
+                  </a:tcPr>
+                </a:tc>
+                <a:extLst>
+                  <a:ext uri="{0D108BD9-81ED-4DB2-BD59-A6C34878D82A}">
+                    <a16:rowId xmlns:a16="http://schemas.microsoft.com/office/drawing/2014/main" val="2183578114"/>
+                  </a:ext>
+                </a:extLst>
+              </a:tr>
+              <a:tr h="536329">
+                <a:tc>
+                  <a:txBody>
+                    <a:bodyPr/>
+                    <a:lstStyle/>
+                    <a:p>
+                      <a:pPr algn="ctr"/>
+                      <a:r>
+                        <a:rPr lang="en-US" altLang="zh-CN" dirty="0" smtClean="0"/>
+                        <a:t>0</a:t>
+                      </a:r>
+                      <a:endParaRPr lang="zh-CN" altLang="en-US" dirty="0"/>
+                    </a:p>
+                  </a:txBody>
+                  <a:tcPr anchor="ctr">
+                    <a:solidFill>
+                      <a:srgbClr val="92D050"/>
+                    </a:solidFill>
+                  </a:tcPr>
+                </a:tc>
+                <a:tc>
+                  <a:txBody>
+                    <a:bodyPr/>
+                    <a:lstStyle/>
+                    <a:p>
+                      <a:pPr algn="ctr"/>
+                      <a:r>
+                        <a:rPr lang="en-US" altLang="zh-CN" dirty="0" smtClean="0"/>
+                        <a:t>0</a:t>
+                      </a:r>
+                      <a:endParaRPr lang="zh-CN" altLang="en-US" dirty="0"/>
+                    </a:p>
+                  </a:txBody>
+                  <a:tcPr anchor="ctr">
+                    <a:solidFill>
+                      <a:srgbClr val="92D050"/>
+                    </a:solidFill>
+                  </a:tcPr>
+                </a:tc>
+                <a:tc>
+                  <a:txBody>
+                    <a:bodyPr/>
+                    <a:lstStyle/>
+                    <a:p>
+                      <a:pPr algn="ctr"/>
+                      <a:r>
+                        <a:rPr lang="en-US" altLang="zh-CN" dirty="0" smtClean="0"/>
+                        <a:t>1</a:t>
+                      </a:r>
+                      <a:endParaRPr lang="zh-CN" altLang="en-US" dirty="0"/>
+                    </a:p>
+                  </a:txBody>
+                  <a:tcPr anchor="ctr">
+                    <a:solidFill>
+                      <a:srgbClr val="92D050"/>
+                    </a:solidFill>
+                  </a:tcPr>
+                </a:tc>
+                <a:tc>
+                  <a:txBody>
+                    <a:bodyPr/>
+                    <a:lstStyle/>
+                    <a:p>
+                      <a:pPr algn="ctr"/>
+                      <a:r>
+                        <a:rPr lang="en-US" altLang="zh-CN" dirty="0" smtClean="0"/>
+                        <a:t>0</a:t>
+                      </a:r>
+                      <a:endParaRPr lang="zh-CN" altLang="en-US" dirty="0"/>
+                    </a:p>
+                  </a:txBody>
+                  <a:tcPr anchor="ctr">
+                    <a:solidFill>
+                      <a:srgbClr val="92D050"/>
+                    </a:solidFill>
+                  </a:tcPr>
+                </a:tc>
+                <a:tc>
+                  <a:txBody>
+                    <a:bodyPr/>
+                    <a:lstStyle/>
+                    <a:p>
+                      <a:pPr algn="ctr"/>
+                      <a:r>
+                        <a:rPr lang="en-US" altLang="zh-CN" dirty="0" smtClean="0"/>
+                        <a:t>0</a:t>
+                      </a:r>
+                      <a:endParaRPr lang="zh-CN" altLang="en-US" dirty="0"/>
+                    </a:p>
+                  </a:txBody>
+                  <a:tcPr anchor="ctr">
+                    <a:solidFill>
+                      <a:srgbClr val="92D050"/>
+                    </a:solidFill>
+                  </a:tcPr>
+                </a:tc>
+                <a:extLst>
+                  <a:ext uri="{0D108BD9-81ED-4DB2-BD59-A6C34878D82A}">
+                    <a16:rowId xmlns:a16="http://schemas.microsoft.com/office/drawing/2014/main" val="1240545564"/>
+                  </a:ext>
+                </a:extLst>
+              </a:tr>
+              <a:tr h="536329">
+                <a:tc>
+                  <a:txBody>
+                    <a:bodyPr/>
+                    <a:lstStyle/>
+                    <a:p>
+                      <a:pPr algn="ctr"/>
+                      <a:r>
+                        <a:rPr lang="en-US" altLang="zh-CN" dirty="0" smtClean="0"/>
+                        <a:t>0</a:t>
+                      </a:r>
+                      <a:endParaRPr lang="zh-CN" altLang="en-US" dirty="0"/>
+                    </a:p>
+                  </a:txBody>
+                  <a:tcPr anchor="ctr">
+                    <a:solidFill>
+                      <a:srgbClr val="00B0F0"/>
+                    </a:solidFill>
+                  </a:tcPr>
+                </a:tc>
+                <a:tc>
+                  <a:txBody>
+                    <a:bodyPr/>
+                    <a:lstStyle/>
+                    <a:p>
+                      <a:pPr algn="ctr"/>
+                      <a:r>
+                        <a:rPr lang="en-US" altLang="zh-CN" dirty="0" smtClean="0"/>
+                        <a:t>0</a:t>
+                      </a:r>
+                      <a:endParaRPr lang="zh-CN" altLang="en-US" dirty="0"/>
+                    </a:p>
+                  </a:txBody>
+                  <a:tcPr anchor="ctr">
+                    <a:solidFill>
+                      <a:srgbClr val="00B0F0"/>
+                    </a:solidFill>
+                  </a:tcPr>
+                </a:tc>
+                <a:tc>
+                  <a:txBody>
+                    <a:bodyPr/>
+                    <a:lstStyle/>
+                    <a:p>
+                      <a:pPr algn="ctr"/>
+                      <a:r>
+                        <a:rPr lang="en-US" altLang="zh-CN" dirty="0" smtClean="0"/>
+                        <a:t>0</a:t>
+                      </a:r>
+                      <a:endParaRPr lang="zh-CN" altLang="en-US" dirty="0"/>
+                    </a:p>
+                  </a:txBody>
+                  <a:tcPr anchor="ctr">
+                    <a:solidFill>
+                      <a:srgbClr val="00B0F0"/>
+                    </a:solidFill>
+                  </a:tcPr>
+                </a:tc>
+                <a:tc>
+                  <a:txBody>
+                    <a:bodyPr/>
+                    <a:lstStyle/>
+                    <a:p>
+                      <a:pPr algn="ctr"/>
+                      <a:r>
+                        <a:rPr lang="en-US" altLang="zh-CN" dirty="0" smtClean="0"/>
+                        <a:t>0</a:t>
+                      </a:r>
+                      <a:endParaRPr lang="zh-CN" altLang="en-US" dirty="0"/>
+                    </a:p>
+                  </a:txBody>
+                  <a:tcPr anchor="ctr">
+                    <a:solidFill>
+                      <a:srgbClr val="00B0F0"/>
+                    </a:solidFill>
+                  </a:tcPr>
+                </a:tc>
+                <a:tc>
+                  <a:txBody>
+                    <a:bodyPr/>
+                    <a:lstStyle/>
+                    <a:p>
+                      <a:pPr algn="ctr"/>
+                      <a:r>
+                        <a:rPr lang="en-US" altLang="zh-CN" dirty="0" smtClean="0"/>
+                        <a:t>0</a:t>
+                      </a:r>
+                      <a:endParaRPr lang="zh-CN" altLang="en-US" dirty="0"/>
+                    </a:p>
+                  </a:txBody>
+                  <a:tcPr anchor="ctr">
+                    <a:solidFill>
+                      <a:srgbClr val="00B0F0"/>
+                    </a:solidFill>
+                  </a:tcPr>
+                </a:tc>
+                <a:extLst>
+                  <a:ext uri="{0D108BD9-81ED-4DB2-BD59-A6C34878D82A}">
+                    <a16:rowId xmlns:a16="http://schemas.microsoft.com/office/drawing/2014/main" val="996596807"/>
+                  </a:ext>
+                </a:extLst>
+              </a:tr>
+              <a:tr h="536329">
+                <a:tc>
+                  <a:txBody>
+                    <a:bodyPr/>
+                    <a:lstStyle/>
+                    <a:p>
+                      <a:pPr algn="ctr"/>
+                      <a:r>
+                        <a:rPr lang="en-US" altLang="zh-CN" dirty="0" smtClean="0"/>
+                        <a:t>0</a:t>
+                      </a:r>
+                      <a:endParaRPr lang="zh-CN" altLang="en-US" dirty="0"/>
+                    </a:p>
+                  </a:txBody>
+                  <a:tcPr anchor="ctr">
+                    <a:solidFill>
+                      <a:srgbClr val="92D050"/>
+                    </a:solidFill>
+                  </a:tcPr>
+                </a:tc>
+                <a:tc>
+                  <a:txBody>
+                    <a:bodyPr/>
+                    <a:lstStyle/>
+                    <a:p>
+                      <a:pPr algn="ctr"/>
+                      <a:r>
+                        <a:rPr lang="en-US" altLang="zh-CN" dirty="0" smtClean="0"/>
+                        <a:t>0</a:t>
+                      </a:r>
+                      <a:endParaRPr lang="zh-CN" altLang="en-US" dirty="0"/>
+                    </a:p>
+                  </a:txBody>
+                  <a:tcPr anchor="ctr">
+                    <a:solidFill>
+                      <a:srgbClr val="92D050"/>
+                    </a:solidFill>
+                  </a:tcPr>
+                </a:tc>
+                <a:tc>
+                  <a:txBody>
+                    <a:bodyPr/>
+                    <a:lstStyle/>
+                    <a:p>
+                      <a:pPr algn="ctr"/>
+                      <a:r>
+                        <a:rPr lang="en-US" altLang="zh-CN" dirty="0" smtClean="0"/>
+                        <a:t>0</a:t>
+                      </a:r>
+                      <a:endParaRPr lang="zh-CN" altLang="en-US" dirty="0"/>
+                    </a:p>
+                  </a:txBody>
+                  <a:tcPr anchor="ctr">
+                    <a:solidFill>
+                      <a:srgbClr val="92D050"/>
+                    </a:solidFill>
+                  </a:tcPr>
+                </a:tc>
+                <a:tc>
+                  <a:txBody>
+                    <a:bodyPr/>
+                    <a:lstStyle/>
+                    <a:p>
+                      <a:pPr algn="ctr"/>
+                      <a:r>
+                        <a:rPr lang="en-US" altLang="zh-CN" dirty="0" smtClean="0"/>
+                        <a:t>0</a:t>
+                      </a:r>
+                      <a:endParaRPr lang="zh-CN" altLang="en-US" dirty="0"/>
+                    </a:p>
+                  </a:txBody>
+                  <a:tcPr anchor="ctr">
+                    <a:solidFill>
+                      <a:srgbClr val="92D050"/>
+                    </a:solidFill>
+                  </a:tcPr>
+                </a:tc>
+                <a:tc>
+                  <a:txBody>
+                    <a:bodyPr/>
+                    <a:lstStyle/>
+                    <a:p>
+                      <a:pPr algn="ctr"/>
+                      <a:r>
+                        <a:rPr lang="en-US" altLang="zh-CN" dirty="0" smtClean="0"/>
+                        <a:t>0</a:t>
+                      </a:r>
+                      <a:endParaRPr lang="zh-CN" altLang="en-US" dirty="0"/>
+                    </a:p>
+                  </a:txBody>
+                  <a:tcPr anchor="ctr">
+                    <a:solidFill>
+                      <a:srgbClr val="92D050"/>
+                    </a:solidFill>
+                  </a:tcPr>
+                </a:tc>
+                <a:extLst>
+                  <a:ext uri="{0D108BD9-81ED-4DB2-BD59-A6C34878D82A}">
+                    <a16:rowId xmlns:a16="http://schemas.microsoft.com/office/drawing/2014/main" val="113049021"/>
+                  </a:ext>
+                </a:extLst>
+              </a:tr>
+              <a:tr h="536329">
+                <a:tc>
+                  <a:txBody>
+                    <a:bodyPr/>
+                    <a:lstStyle/>
+                    <a:p>
+                      <a:pPr algn="ctr"/>
+                      <a:r>
+                        <a:rPr lang="en-US" altLang="zh-CN" dirty="0" smtClean="0"/>
+                        <a:t>0</a:t>
+                      </a:r>
+                      <a:endParaRPr lang="zh-CN" altLang="en-US" dirty="0"/>
+                    </a:p>
+                  </a:txBody>
+                  <a:tcPr anchor="ctr">
+                    <a:solidFill>
+                      <a:srgbClr val="00B0F0"/>
+                    </a:solidFill>
+                  </a:tcPr>
+                </a:tc>
+                <a:tc>
+                  <a:txBody>
+                    <a:bodyPr/>
+                    <a:lstStyle/>
+                    <a:p>
+                      <a:pPr algn="ctr"/>
+                      <a:r>
+                        <a:rPr lang="en-US" altLang="zh-CN" dirty="0" smtClean="0"/>
+                        <a:t>0</a:t>
+                      </a:r>
+                      <a:endParaRPr lang="zh-CN" altLang="en-US" dirty="0"/>
+                    </a:p>
+                  </a:txBody>
+                  <a:tcPr anchor="ctr">
+                    <a:solidFill>
+                      <a:srgbClr val="00B0F0"/>
+                    </a:solidFill>
+                  </a:tcPr>
+                </a:tc>
+                <a:tc>
+                  <a:txBody>
+                    <a:bodyPr/>
+                    <a:lstStyle/>
+                    <a:p>
+                      <a:pPr algn="ctr"/>
+                      <a:r>
+                        <a:rPr lang="en-US" altLang="zh-CN" dirty="0" smtClean="0"/>
+                        <a:t>0</a:t>
+                      </a:r>
+                      <a:endParaRPr lang="zh-CN" altLang="en-US" dirty="0"/>
+                    </a:p>
+                  </a:txBody>
+                  <a:tcPr anchor="ctr">
+                    <a:solidFill>
+                      <a:srgbClr val="00B0F0"/>
+                    </a:solidFill>
+                  </a:tcPr>
+                </a:tc>
+                <a:tc>
+                  <a:txBody>
+                    <a:bodyPr/>
+                    <a:lstStyle/>
+                    <a:p>
+                      <a:pPr algn="ctr"/>
+                      <a:r>
+                        <a:rPr lang="en-US" altLang="zh-CN" dirty="0" smtClean="0"/>
+                        <a:t>0</a:t>
+                      </a:r>
+                      <a:endParaRPr lang="zh-CN" altLang="en-US" dirty="0"/>
+                    </a:p>
+                  </a:txBody>
+                  <a:tcPr anchor="ctr">
+                    <a:solidFill>
+                      <a:srgbClr val="00B0F0"/>
+                    </a:solidFill>
+                  </a:tcPr>
+                </a:tc>
+                <a:tc>
+                  <a:txBody>
+                    <a:bodyPr/>
+                    <a:lstStyle/>
+                    <a:p>
+                      <a:pPr algn="ctr"/>
+                      <a:r>
+                        <a:rPr lang="en-US" altLang="zh-CN" dirty="0" smtClean="0"/>
+                        <a:t>0</a:t>
+                      </a:r>
+                      <a:endParaRPr lang="zh-CN" altLang="en-US" dirty="0"/>
+                    </a:p>
+                  </a:txBody>
+                  <a:tcPr anchor="ctr">
+                    <a:solidFill>
+                      <a:srgbClr val="00B0F0"/>
+                    </a:solidFill>
+                  </a:tcPr>
+                </a:tc>
+                <a:extLst>
+                  <a:ext uri="{0D108BD9-81ED-4DB2-BD59-A6C34878D82A}">
+                    <a16:rowId xmlns:a16="http://schemas.microsoft.com/office/drawing/2014/main" val="1663059216"/>
+                  </a:ext>
+                </a:extLst>
+              </a:tr>
+            </a:tbl>
+          </a:graphicData>
+        </a:graphic>
+      </p:graphicFrame>
+      <p:graphicFrame>
+        <p:nvGraphicFramePr>
+          <p:cNvPr id="7" name="表格 6"/>
+          <p:cNvGraphicFramePr>
+            <a:graphicFrameLocks noGrp="1"/>
+          </p:cNvGraphicFramePr>
+          <p:nvPr>
+            <p:extLst/>
+          </p:nvPr>
+        </p:nvGraphicFramePr>
+        <p:xfrm>
+          <a:off x="8085960" y="1818292"/>
+          <a:ext cx="821208" cy="3217974"/>
+        </p:xfrm>
+        <a:graphic>
+          <a:graphicData uri="http://schemas.openxmlformats.org/drawingml/2006/table">
+            <a:tbl>
+              <a:tblPr firstRow="1" bandRow="1">
+                <a:tableStyleId>{5C22544A-7EE6-4342-B048-85BDC9FD1C3A}</a:tableStyleId>
+              </a:tblPr>
+              <a:tblGrid>
+                <a:gridCol w="821208">
+                  <a:extLst>
+                    <a:ext uri="{9D8B030D-6E8A-4147-A177-3AD203B41FA5}">
+                      <a16:colId xmlns:a16="http://schemas.microsoft.com/office/drawing/2014/main" val="2807816250"/>
+                    </a:ext>
+                  </a:extLst>
+                </a:gridCol>
+              </a:tblGrid>
+              <a:tr h="536329">
+                <a:tc>
+                  <a:txBody>
+                    <a:bodyPr/>
+                    <a:lstStyle/>
+                    <a:p>
+                      <a:pPr algn="ctr"/>
+                      <a:endParaRPr lang="zh-CN" altLang="en-US" dirty="0"/>
+                    </a:p>
+                  </a:txBody>
+                  <a:tcPr anchor="ctr">
+                    <a:solidFill>
+                      <a:srgbClr val="92D050"/>
+                    </a:solidFill>
+                  </a:tcPr>
+                </a:tc>
+                <a:extLst>
+                  <a:ext uri="{0D108BD9-81ED-4DB2-BD59-A6C34878D82A}">
+                    <a16:rowId xmlns:a16="http://schemas.microsoft.com/office/drawing/2014/main" val="2935096290"/>
+                  </a:ext>
+                </a:extLst>
+              </a:tr>
+              <a:tr h="536329">
+                <a:tc>
+                  <a:txBody>
+                    <a:bodyPr/>
+                    <a:lstStyle/>
+                    <a:p>
+                      <a:pPr algn="ctr"/>
+                      <a:endParaRPr lang="zh-CN" altLang="en-US" dirty="0"/>
+                    </a:p>
+                  </a:txBody>
+                  <a:tcPr anchor="ctr">
+                    <a:solidFill>
+                      <a:srgbClr val="00B0F0"/>
+                    </a:solidFill>
+                  </a:tcPr>
+                </a:tc>
+                <a:extLst>
+                  <a:ext uri="{0D108BD9-81ED-4DB2-BD59-A6C34878D82A}">
+                    <a16:rowId xmlns:a16="http://schemas.microsoft.com/office/drawing/2014/main" val="2183578114"/>
+                  </a:ext>
+                </a:extLst>
+              </a:tr>
+              <a:tr h="536329">
+                <a:tc>
+                  <a:txBody>
+                    <a:bodyPr/>
+                    <a:lstStyle/>
+                    <a:p>
+                      <a:pPr algn="ctr"/>
+                      <a:r>
+                        <a:rPr lang="en-US" altLang="zh-CN" dirty="0" smtClean="0"/>
+                        <a:t>1</a:t>
+                      </a:r>
+                      <a:endParaRPr lang="zh-CN" altLang="en-US" dirty="0"/>
+                    </a:p>
+                  </a:txBody>
+                  <a:tcPr anchor="ctr">
+                    <a:solidFill>
+                      <a:srgbClr val="92D050"/>
+                    </a:solidFill>
+                  </a:tcPr>
+                </a:tc>
+                <a:extLst>
+                  <a:ext uri="{0D108BD9-81ED-4DB2-BD59-A6C34878D82A}">
+                    <a16:rowId xmlns:a16="http://schemas.microsoft.com/office/drawing/2014/main" val="1240545564"/>
+                  </a:ext>
+                </a:extLst>
+              </a:tr>
+              <a:tr h="536329">
+                <a:tc>
+                  <a:txBody>
+                    <a:bodyPr/>
+                    <a:lstStyle/>
+                    <a:p>
+                      <a:pPr algn="ctr"/>
+                      <a:endParaRPr lang="zh-CN" altLang="en-US" dirty="0"/>
+                    </a:p>
+                  </a:txBody>
+                  <a:tcPr anchor="ctr">
+                    <a:solidFill>
+                      <a:srgbClr val="00B0F0"/>
+                    </a:solidFill>
+                  </a:tcPr>
+                </a:tc>
+                <a:extLst>
+                  <a:ext uri="{0D108BD9-81ED-4DB2-BD59-A6C34878D82A}">
+                    <a16:rowId xmlns:a16="http://schemas.microsoft.com/office/drawing/2014/main" val="996596807"/>
+                  </a:ext>
+                </a:extLst>
+              </a:tr>
+              <a:tr h="536329">
+                <a:tc>
+                  <a:txBody>
+                    <a:bodyPr/>
+                    <a:lstStyle/>
+                    <a:p>
+                      <a:pPr algn="ctr"/>
+                      <a:endParaRPr lang="zh-CN" altLang="en-US" dirty="0"/>
+                    </a:p>
+                  </a:txBody>
+                  <a:tcPr anchor="ctr">
+                    <a:solidFill>
+                      <a:srgbClr val="92D050"/>
+                    </a:solidFill>
+                  </a:tcPr>
+                </a:tc>
+                <a:extLst>
+                  <a:ext uri="{0D108BD9-81ED-4DB2-BD59-A6C34878D82A}">
+                    <a16:rowId xmlns:a16="http://schemas.microsoft.com/office/drawing/2014/main" val="113049021"/>
+                  </a:ext>
+                </a:extLst>
+              </a:tr>
+              <a:tr h="536329">
+                <a:tc>
+                  <a:txBody>
+                    <a:bodyPr/>
+                    <a:lstStyle/>
+                    <a:p>
+                      <a:pPr algn="ctr"/>
+                      <a:endParaRPr lang="zh-CN" altLang="en-US" dirty="0"/>
+                    </a:p>
+                  </a:txBody>
+                  <a:tcPr anchor="ctr">
+                    <a:solidFill>
+                      <a:srgbClr val="00B0F0"/>
+                    </a:solidFill>
+                  </a:tcPr>
+                </a:tc>
+                <a:extLst>
+                  <a:ext uri="{0D108BD9-81ED-4DB2-BD59-A6C34878D82A}">
+                    <a16:rowId xmlns:a16="http://schemas.microsoft.com/office/drawing/2014/main" val="1663059216"/>
+                  </a:ext>
+                </a:extLst>
+              </a:tr>
+            </a:tbl>
+          </a:graphicData>
+        </a:graphic>
+      </p:graphicFrame>
+      <p:graphicFrame>
+        <p:nvGraphicFramePr>
+          <p:cNvPr id="8" name="表格 7"/>
+          <p:cNvGraphicFramePr>
+            <a:graphicFrameLocks noGrp="1"/>
+          </p:cNvGraphicFramePr>
+          <p:nvPr>
+            <p:extLst/>
+          </p:nvPr>
+        </p:nvGraphicFramePr>
+        <p:xfrm>
+          <a:off x="2469231" y="1840219"/>
+          <a:ext cx="821208" cy="3217974"/>
+        </p:xfrm>
+        <a:graphic>
+          <a:graphicData uri="http://schemas.openxmlformats.org/drawingml/2006/table">
+            <a:tbl>
+              <a:tblPr firstRow="1" bandRow="1">
+                <a:tableStyleId>{5C22544A-7EE6-4342-B048-85BDC9FD1C3A}</a:tableStyleId>
+              </a:tblPr>
+              <a:tblGrid>
+                <a:gridCol w="821208">
+                  <a:extLst>
+                    <a:ext uri="{9D8B030D-6E8A-4147-A177-3AD203B41FA5}">
+                      <a16:colId xmlns:a16="http://schemas.microsoft.com/office/drawing/2014/main" val="2807816250"/>
+                    </a:ext>
+                  </a:extLst>
+                </a:gridCol>
+              </a:tblGrid>
+              <a:tr h="536329">
+                <a:tc>
+                  <a:txBody>
+                    <a:bodyPr/>
+                    <a:lstStyle/>
+                    <a:p>
+                      <a:pPr algn="ctr"/>
+                      <a:r>
+                        <a:rPr lang="en-US" altLang="zh-CN" dirty="0" smtClean="0"/>
+                        <a:t>0</a:t>
+                      </a:r>
+                      <a:endParaRPr lang="zh-CN" altLang="en-US" dirty="0"/>
+                    </a:p>
+                  </a:txBody>
+                  <a:tcPr anchor="ctr">
+                    <a:solidFill>
+                      <a:srgbClr val="92D050"/>
+                    </a:solidFill>
+                  </a:tcPr>
+                </a:tc>
+                <a:extLst>
+                  <a:ext uri="{0D108BD9-81ED-4DB2-BD59-A6C34878D82A}">
+                    <a16:rowId xmlns:a16="http://schemas.microsoft.com/office/drawing/2014/main" val="2935096290"/>
+                  </a:ext>
+                </a:extLst>
+              </a:tr>
+              <a:tr h="536329">
+                <a:tc>
+                  <a:txBody>
+                    <a:bodyPr/>
+                    <a:lstStyle/>
+                    <a:p>
+                      <a:pPr algn="ctr"/>
+                      <a:r>
+                        <a:rPr lang="en-US" altLang="zh-CN" dirty="0" smtClean="0"/>
+                        <a:t>0</a:t>
+                      </a:r>
+                      <a:endParaRPr lang="zh-CN" altLang="en-US" dirty="0"/>
+                    </a:p>
+                  </a:txBody>
+                  <a:tcPr anchor="ctr">
+                    <a:solidFill>
+                      <a:srgbClr val="00B0F0"/>
+                    </a:solidFill>
+                  </a:tcPr>
+                </a:tc>
+                <a:extLst>
+                  <a:ext uri="{0D108BD9-81ED-4DB2-BD59-A6C34878D82A}">
+                    <a16:rowId xmlns:a16="http://schemas.microsoft.com/office/drawing/2014/main" val="2183578114"/>
+                  </a:ext>
+                </a:extLst>
+              </a:tr>
+              <a:tr h="536329">
+                <a:tc>
+                  <a:txBody>
+                    <a:bodyPr/>
+                    <a:lstStyle/>
+                    <a:p>
+                      <a:pPr algn="ctr"/>
+                      <a:r>
+                        <a:rPr lang="en-US" altLang="zh-CN" dirty="0" smtClean="0"/>
+                        <a:t>1</a:t>
+                      </a:r>
+                      <a:endParaRPr lang="zh-CN" altLang="en-US" dirty="0"/>
+                    </a:p>
+                  </a:txBody>
+                  <a:tcPr anchor="ctr">
+                    <a:solidFill>
+                      <a:srgbClr val="92D050"/>
+                    </a:solidFill>
+                  </a:tcPr>
+                </a:tc>
+                <a:extLst>
+                  <a:ext uri="{0D108BD9-81ED-4DB2-BD59-A6C34878D82A}">
+                    <a16:rowId xmlns:a16="http://schemas.microsoft.com/office/drawing/2014/main" val="1240545564"/>
+                  </a:ext>
+                </a:extLst>
+              </a:tr>
+              <a:tr h="536329">
+                <a:tc>
+                  <a:txBody>
+                    <a:bodyPr/>
+                    <a:lstStyle/>
+                    <a:p>
+                      <a:pPr algn="ctr"/>
+                      <a:r>
+                        <a:rPr lang="en-US" altLang="zh-CN" dirty="0" smtClean="0"/>
+                        <a:t>0</a:t>
+                      </a:r>
+                      <a:endParaRPr lang="zh-CN" altLang="en-US" dirty="0"/>
+                    </a:p>
+                  </a:txBody>
+                  <a:tcPr anchor="ctr">
+                    <a:solidFill>
+                      <a:srgbClr val="00B0F0"/>
+                    </a:solidFill>
+                  </a:tcPr>
+                </a:tc>
+                <a:extLst>
+                  <a:ext uri="{0D108BD9-81ED-4DB2-BD59-A6C34878D82A}">
+                    <a16:rowId xmlns:a16="http://schemas.microsoft.com/office/drawing/2014/main" val="996596807"/>
+                  </a:ext>
+                </a:extLst>
+              </a:tr>
+              <a:tr h="536329">
+                <a:tc>
+                  <a:txBody>
+                    <a:bodyPr/>
+                    <a:lstStyle/>
+                    <a:p>
+                      <a:pPr algn="ctr"/>
+                      <a:r>
+                        <a:rPr lang="en-US" altLang="zh-CN" dirty="0" smtClean="0"/>
+                        <a:t>0</a:t>
+                      </a:r>
+                      <a:endParaRPr lang="zh-CN" altLang="en-US" dirty="0"/>
+                    </a:p>
+                  </a:txBody>
+                  <a:tcPr anchor="ctr">
+                    <a:solidFill>
+                      <a:srgbClr val="92D050"/>
+                    </a:solidFill>
+                  </a:tcPr>
+                </a:tc>
+                <a:extLst>
+                  <a:ext uri="{0D108BD9-81ED-4DB2-BD59-A6C34878D82A}">
+                    <a16:rowId xmlns:a16="http://schemas.microsoft.com/office/drawing/2014/main" val="113049021"/>
+                  </a:ext>
+                </a:extLst>
+              </a:tr>
+              <a:tr h="536329">
+                <a:tc>
+                  <a:txBody>
+                    <a:bodyPr/>
+                    <a:lstStyle/>
+                    <a:p>
+                      <a:pPr algn="ctr"/>
+                      <a:r>
+                        <a:rPr lang="en-US" altLang="zh-CN" dirty="0" smtClean="0"/>
+                        <a:t>0</a:t>
+                      </a:r>
+                      <a:endParaRPr lang="zh-CN" altLang="en-US" dirty="0"/>
+                    </a:p>
+                  </a:txBody>
+                  <a:tcPr anchor="ctr">
+                    <a:solidFill>
+                      <a:srgbClr val="00B0F0"/>
+                    </a:solidFill>
+                  </a:tcPr>
+                </a:tc>
+                <a:extLst>
+                  <a:ext uri="{0D108BD9-81ED-4DB2-BD59-A6C34878D82A}">
+                    <a16:rowId xmlns:a16="http://schemas.microsoft.com/office/drawing/2014/main" val="1663059216"/>
+                  </a:ext>
+                </a:extLst>
+              </a:tr>
+            </a:tbl>
+          </a:graphicData>
+        </a:graphic>
+      </p:graphicFrame>
+      <p:sp>
+        <p:nvSpPr>
+          <p:cNvPr id="9" name="文本框 8"/>
+          <p:cNvSpPr txBox="1"/>
+          <p:nvPr/>
+        </p:nvSpPr>
+        <p:spPr>
+          <a:xfrm>
+            <a:off x="7919239" y="1448960"/>
+            <a:ext cx="1802830" cy="369332"/>
+          </a:xfrm>
+          <a:prstGeom prst="rect">
+            <a:avLst/>
+          </a:prstGeom>
+          <a:noFill/>
+        </p:spPr>
+        <p:txBody>
+          <a:bodyPr wrap="square" rtlCol="0">
+            <a:spAutoFit/>
+          </a:bodyPr>
+          <a:lstStyle/>
+          <a:p>
+            <a:r>
+              <a:rPr lang="en-US" altLang="zh-CN" b="1" dirty="0" err="1" smtClean="0">
+                <a:solidFill>
+                  <a:srgbClr val="00B0F0"/>
+                </a:solidFill>
+              </a:rPr>
+              <a:t>OSEventGrp</a:t>
+            </a:r>
+            <a:endParaRPr lang="zh-CN" altLang="en-US" b="1" dirty="0">
+              <a:solidFill>
+                <a:srgbClr val="00B0F0"/>
+              </a:solidFill>
+            </a:endParaRPr>
+          </a:p>
+        </p:txBody>
+      </p:sp>
+      <p:sp>
+        <p:nvSpPr>
+          <p:cNvPr id="10" name="文本框 9"/>
+          <p:cNvSpPr txBox="1"/>
+          <p:nvPr/>
+        </p:nvSpPr>
+        <p:spPr>
+          <a:xfrm>
+            <a:off x="8826964" y="2930411"/>
+            <a:ext cx="1486313" cy="646331"/>
+          </a:xfrm>
+          <a:prstGeom prst="rect">
+            <a:avLst/>
+          </a:prstGeom>
+          <a:noFill/>
+        </p:spPr>
+        <p:txBody>
+          <a:bodyPr wrap="square" rtlCol="0">
+            <a:spAutoFit/>
+          </a:bodyPr>
+          <a:lstStyle/>
+          <a:p>
+            <a:r>
+              <a:rPr lang="en-US" altLang="zh-CN" b="1" dirty="0" err="1">
+                <a:solidFill>
+                  <a:srgbClr val="00B0F0"/>
+                </a:solidFill>
+              </a:rPr>
+              <a:t>OSEventGrp</a:t>
+            </a:r>
+            <a:endParaRPr lang="en-US" altLang="zh-CN" b="1" dirty="0">
+              <a:solidFill>
+                <a:srgbClr val="00B0F0"/>
+              </a:solidFill>
+            </a:endParaRPr>
+          </a:p>
+          <a:p>
+            <a:r>
+              <a:rPr lang="en-US" altLang="zh-CN" b="1" dirty="0" smtClean="0">
+                <a:solidFill>
+                  <a:srgbClr val="00B0F0"/>
+                </a:solidFill>
+              </a:rPr>
+              <a:t>[</a:t>
+            </a:r>
+            <a:r>
+              <a:rPr lang="en-US" altLang="zh-CN" b="1" dirty="0">
+                <a:solidFill>
+                  <a:srgbClr val="00B0F0"/>
+                </a:solidFill>
+              </a:rPr>
+              <a:t>OSTCBY]</a:t>
+            </a:r>
+            <a:endParaRPr lang="zh-CN" altLang="en-US" b="1" dirty="0">
+              <a:solidFill>
+                <a:srgbClr val="00B0F0"/>
+              </a:solidFill>
+            </a:endParaRPr>
+          </a:p>
+        </p:txBody>
+      </p:sp>
+      <p:sp>
+        <p:nvSpPr>
+          <p:cNvPr id="11" name="矩形 10"/>
+          <p:cNvSpPr/>
+          <p:nvPr/>
+        </p:nvSpPr>
+        <p:spPr>
+          <a:xfrm>
+            <a:off x="5040021" y="5900533"/>
+            <a:ext cx="1497414" cy="369332"/>
+          </a:xfrm>
+          <a:prstGeom prst="rect">
+            <a:avLst/>
+          </a:prstGeom>
+        </p:spPr>
+        <p:txBody>
+          <a:bodyPr wrap="square">
+            <a:spAutoFit/>
+          </a:bodyPr>
+          <a:lstStyle/>
+          <a:p>
+            <a:r>
+              <a:rPr lang="zh-CN" altLang="en-US" b="1" dirty="0" smtClean="0">
+                <a:solidFill>
+                  <a:srgbClr val="FFC000"/>
+                </a:solidFill>
+              </a:rPr>
+              <a:t>OSTCBX </a:t>
+            </a:r>
+            <a:r>
+              <a:rPr lang="en-US" altLang="zh-CN" b="1" dirty="0" smtClean="0">
+                <a:solidFill>
+                  <a:srgbClr val="FFC000"/>
+                </a:solidFill>
+              </a:rPr>
+              <a:t>= 2</a:t>
+            </a:r>
+            <a:endParaRPr lang="zh-CN" altLang="en-US" b="1" dirty="0">
+              <a:solidFill>
+                <a:srgbClr val="FFC000"/>
+              </a:solidFill>
+            </a:endParaRPr>
+          </a:p>
+        </p:txBody>
+      </p:sp>
+      <p:graphicFrame>
+        <p:nvGraphicFramePr>
+          <p:cNvPr id="12" name="表格 11"/>
+          <p:cNvGraphicFramePr>
+            <a:graphicFrameLocks noGrp="1"/>
+          </p:cNvGraphicFramePr>
+          <p:nvPr>
+            <p:extLst/>
+          </p:nvPr>
+        </p:nvGraphicFramePr>
+        <p:xfrm>
+          <a:off x="3607661" y="5364204"/>
+          <a:ext cx="4106040" cy="536329"/>
+        </p:xfrm>
+        <a:graphic>
+          <a:graphicData uri="http://schemas.openxmlformats.org/drawingml/2006/table">
+            <a:tbl>
+              <a:tblPr firstRow="1" bandRow="1">
+                <a:tableStyleId>{5C22544A-7EE6-4342-B048-85BDC9FD1C3A}</a:tableStyleId>
+              </a:tblPr>
+              <a:tblGrid>
+                <a:gridCol w="821208">
+                  <a:extLst>
+                    <a:ext uri="{9D8B030D-6E8A-4147-A177-3AD203B41FA5}">
+                      <a16:colId xmlns:a16="http://schemas.microsoft.com/office/drawing/2014/main" val="3925016222"/>
+                    </a:ext>
+                  </a:extLst>
+                </a:gridCol>
+                <a:gridCol w="821208">
+                  <a:extLst>
+                    <a:ext uri="{9D8B030D-6E8A-4147-A177-3AD203B41FA5}">
+                      <a16:colId xmlns:a16="http://schemas.microsoft.com/office/drawing/2014/main" val="1000469538"/>
+                    </a:ext>
+                  </a:extLst>
+                </a:gridCol>
+                <a:gridCol w="821208">
+                  <a:extLst>
+                    <a:ext uri="{9D8B030D-6E8A-4147-A177-3AD203B41FA5}">
+                      <a16:colId xmlns:a16="http://schemas.microsoft.com/office/drawing/2014/main" val="3532943145"/>
+                    </a:ext>
+                  </a:extLst>
+                </a:gridCol>
+                <a:gridCol w="821208">
+                  <a:extLst>
+                    <a:ext uri="{9D8B030D-6E8A-4147-A177-3AD203B41FA5}">
+                      <a16:colId xmlns:a16="http://schemas.microsoft.com/office/drawing/2014/main" val="3262582348"/>
+                    </a:ext>
+                  </a:extLst>
+                </a:gridCol>
+                <a:gridCol w="821208">
+                  <a:extLst>
+                    <a:ext uri="{9D8B030D-6E8A-4147-A177-3AD203B41FA5}">
+                      <a16:colId xmlns:a16="http://schemas.microsoft.com/office/drawing/2014/main" val="2807816250"/>
+                    </a:ext>
+                  </a:extLst>
+                </a:gridCol>
+              </a:tblGrid>
+              <a:tr h="536329">
+                <a:tc>
+                  <a:txBody>
+                    <a:bodyPr/>
+                    <a:lstStyle/>
+                    <a:p>
+                      <a:pPr algn="ctr"/>
+                      <a:r>
+                        <a:rPr lang="en-US" altLang="zh-CN" dirty="0" smtClean="0"/>
+                        <a:t>0</a:t>
+                      </a:r>
+                      <a:endParaRPr lang="zh-CN" altLang="en-US" dirty="0"/>
+                    </a:p>
+                  </a:txBody>
+                  <a:tcPr anchor="ctr">
+                    <a:solidFill>
+                      <a:srgbClr val="00B0F0"/>
+                    </a:solidFill>
+                  </a:tcPr>
+                </a:tc>
+                <a:tc>
+                  <a:txBody>
+                    <a:bodyPr/>
+                    <a:lstStyle/>
+                    <a:p>
+                      <a:pPr algn="ctr"/>
+                      <a:r>
+                        <a:rPr lang="en-US" altLang="zh-CN" dirty="0" smtClean="0"/>
+                        <a:t>0</a:t>
+                      </a:r>
+                      <a:endParaRPr lang="zh-CN" altLang="en-US" dirty="0"/>
+                    </a:p>
+                  </a:txBody>
+                  <a:tcPr anchor="ctr">
+                    <a:solidFill>
+                      <a:srgbClr val="FFC000"/>
+                    </a:solidFill>
+                  </a:tcPr>
+                </a:tc>
+                <a:tc>
+                  <a:txBody>
+                    <a:bodyPr/>
+                    <a:lstStyle/>
+                    <a:p>
+                      <a:pPr algn="ctr"/>
+                      <a:r>
+                        <a:rPr lang="en-US" altLang="zh-CN" dirty="0" smtClean="0"/>
+                        <a:t>1</a:t>
+                      </a:r>
+                      <a:endParaRPr lang="zh-CN" altLang="en-US" dirty="0"/>
+                    </a:p>
+                  </a:txBody>
+                  <a:tcPr anchor="ctr">
+                    <a:solidFill>
+                      <a:srgbClr val="00B0F0"/>
+                    </a:solidFill>
+                  </a:tcPr>
+                </a:tc>
+                <a:tc>
+                  <a:txBody>
+                    <a:bodyPr/>
+                    <a:lstStyle/>
+                    <a:p>
+                      <a:pPr algn="ctr"/>
+                      <a:r>
+                        <a:rPr lang="en-US" altLang="zh-CN" dirty="0" smtClean="0"/>
+                        <a:t>0</a:t>
+                      </a:r>
+                      <a:endParaRPr lang="zh-CN" altLang="en-US" dirty="0"/>
+                    </a:p>
+                  </a:txBody>
+                  <a:tcPr anchor="ctr">
+                    <a:solidFill>
+                      <a:srgbClr val="FFC000"/>
+                    </a:solidFill>
+                  </a:tcPr>
+                </a:tc>
+                <a:tc>
+                  <a:txBody>
+                    <a:bodyPr/>
+                    <a:lstStyle/>
+                    <a:p>
+                      <a:pPr algn="ctr"/>
+                      <a:r>
+                        <a:rPr lang="en-US" altLang="zh-CN" dirty="0" smtClean="0"/>
+                        <a:t>0</a:t>
+                      </a:r>
+                      <a:endParaRPr lang="zh-CN" altLang="en-US" dirty="0"/>
+                    </a:p>
+                  </a:txBody>
+                  <a:tcPr anchor="ctr">
+                    <a:solidFill>
+                      <a:srgbClr val="00B0F0"/>
+                    </a:solidFill>
+                  </a:tcPr>
+                </a:tc>
+                <a:extLst>
+                  <a:ext uri="{0D108BD9-81ED-4DB2-BD59-A6C34878D82A}">
+                    <a16:rowId xmlns:a16="http://schemas.microsoft.com/office/drawing/2014/main" val="1663059216"/>
+                  </a:ext>
+                </a:extLst>
+              </a:tr>
+            </a:tbl>
+          </a:graphicData>
+        </a:graphic>
+      </p:graphicFrame>
+      <p:sp>
+        <p:nvSpPr>
+          <p:cNvPr id="13" name="矩形 12"/>
+          <p:cNvSpPr/>
+          <p:nvPr/>
+        </p:nvSpPr>
+        <p:spPr>
+          <a:xfrm>
+            <a:off x="2241405" y="1470887"/>
+            <a:ext cx="1309974" cy="369332"/>
+          </a:xfrm>
+          <a:prstGeom prst="rect">
+            <a:avLst/>
+          </a:prstGeom>
+        </p:spPr>
+        <p:txBody>
+          <a:bodyPr wrap="none">
+            <a:spAutoFit/>
+          </a:bodyPr>
+          <a:lstStyle/>
+          <a:p>
+            <a:r>
+              <a:rPr lang="zh-CN" altLang="en-US" b="1" dirty="0" smtClean="0">
+                <a:solidFill>
+                  <a:srgbClr val="92D050"/>
+                </a:solidFill>
+              </a:rPr>
+              <a:t>OSTCBBitY</a:t>
+            </a:r>
+            <a:endParaRPr lang="zh-CN" altLang="en-US" b="1" dirty="0">
+              <a:solidFill>
+                <a:srgbClr val="92D050"/>
+              </a:solidFill>
+            </a:endParaRPr>
+          </a:p>
+        </p:txBody>
+      </p:sp>
+      <p:sp>
+        <p:nvSpPr>
+          <p:cNvPr id="14" name="矩形 13"/>
+          <p:cNvSpPr/>
+          <p:nvPr/>
+        </p:nvSpPr>
+        <p:spPr>
+          <a:xfrm>
+            <a:off x="2241405" y="5447702"/>
+            <a:ext cx="1319592" cy="369332"/>
+          </a:xfrm>
+          <a:prstGeom prst="rect">
+            <a:avLst/>
+          </a:prstGeom>
+        </p:spPr>
+        <p:txBody>
+          <a:bodyPr wrap="none">
+            <a:spAutoFit/>
+          </a:bodyPr>
+          <a:lstStyle/>
+          <a:p>
+            <a:r>
+              <a:rPr lang="zh-CN" altLang="en-US" b="1" dirty="0" smtClean="0">
+                <a:solidFill>
+                  <a:srgbClr val="FFC000"/>
+                </a:solidFill>
+              </a:rPr>
+              <a:t>OSTCBBitX</a:t>
+            </a:r>
+            <a:endParaRPr lang="zh-CN" altLang="en-US" b="1" dirty="0">
+              <a:solidFill>
+                <a:srgbClr val="FFC000"/>
+              </a:solidFill>
+            </a:endParaRPr>
+          </a:p>
+        </p:txBody>
+      </p:sp>
+      <p:sp>
+        <p:nvSpPr>
+          <p:cNvPr id="15" name="圆角矩形 14"/>
+          <p:cNvSpPr/>
+          <p:nvPr/>
+        </p:nvSpPr>
+        <p:spPr>
+          <a:xfrm>
+            <a:off x="2231787" y="1448960"/>
+            <a:ext cx="1319592" cy="3828015"/>
+          </a:xfrm>
+          <a:prstGeom prst="roundRect">
+            <a:avLst/>
+          </a:prstGeom>
+          <a:noFill/>
+          <a:ln w="28575">
+            <a:solidFill>
+              <a:srgbClr val="92D050"/>
+            </a:solidFill>
+          </a:ln>
+        </p:spPr>
+        <p:style>
+          <a:lnRef idx="2">
+            <a:schemeClr val="accent1">
+              <a:shade val="50000"/>
+            </a:schemeClr>
+          </a:lnRef>
+          <a:fillRef idx="1">
+            <a:schemeClr val="accent1"/>
+          </a:fillRef>
+          <a:effectRef idx="0">
+            <a:schemeClr val="accent1"/>
+          </a:effectRef>
+          <a:fontRef idx="minor">
+            <a:schemeClr val="lt1"/>
+          </a:fontRef>
+        </p:style>
+        <p:txBody>
+          <a:bodyPr rtlCol="0" anchor="ctr"/>
+          <a:lstStyle/>
+          <a:p>
+            <a:pPr algn="ctr"/>
+            <a:endParaRPr lang="zh-CN" altLang="en-US"/>
+          </a:p>
+        </p:txBody>
+      </p:sp>
+      <p:sp>
+        <p:nvSpPr>
+          <p:cNvPr id="16" name="圆角矩形 15"/>
+          <p:cNvSpPr/>
+          <p:nvPr/>
+        </p:nvSpPr>
+        <p:spPr>
+          <a:xfrm>
+            <a:off x="7816261" y="1470887"/>
+            <a:ext cx="2497015" cy="3828015"/>
+          </a:xfrm>
+          <a:prstGeom prst="roundRect">
+            <a:avLst/>
+          </a:prstGeom>
+          <a:noFill/>
+          <a:ln w="28575">
+            <a:solidFill>
+              <a:srgbClr val="00B0F0"/>
+            </a:solidFill>
+          </a:ln>
+        </p:spPr>
+        <p:style>
+          <a:lnRef idx="2">
+            <a:schemeClr val="accent1">
+              <a:shade val="50000"/>
+            </a:schemeClr>
+          </a:lnRef>
+          <a:fillRef idx="1">
+            <a:schemeClr val="accent1"/>
+          </a:fillRef>
+          <a:effectRef idx="0">
+            <a:schemeClr val="accent1"/>
+          </a:effectRef>
+          <a:fontRef idx="minor">
+            <a:schemeClr val="lt1"/>
+          </a:fontRef>
+        </p:style>
+        <p:txBody>
+          <a:bodyPr rtlCol="0" anchor="ctr"/>
+          <a:lstStyle/>
+          <a:p>
+            <a:pPr algn="ctr"/>
+            <a:endParaRPr lang="zh-CN" altLang="en-US"/>
+          </a:p>
+        </p:txBody>
+      </p:sp>
+      <p:sp>
+        <p:nvSpPr>
+          <p:cNvPr id="17" name="圆角矩形 16"/>
+          <p:cNvSpPr/>
+          <p:nvPr/>
+        </p:nvSpPr>
+        <p:spPr>
+          <a:xfrm>
+            <a:off x="2231786" y="5036266"/>
+            <a:ext cx="8081490" cy="1233599"/>
+          </a:xfrm>
+          <a:prstGeom prst="roundRect">
+            <a:avLst/>
+          </a:prstGeom>
+          <a:noFill/>
+          <a:ln w="38100">
+            <a:solidFill>
+              <a:srgbClr val="FFC000"/>
+            </a:solidFill>
+          </a:ln>
+        </p:spPr>
+        <p:style>
+          <a:lnRef idx="2">
+            <a:schemeClr val="accent1">
+              <a:shade val="50000"/>
+            </a:schemeClr>
+          </a:lnRef>
+          <a:fillRef idx="1">
+            <a:schemeClr val="accent1"/>
+          </a:fillRef>
+          <a:effectRef idx="0">
+            <a:schemeClr val="accent1"/>
+          </a:effectRef>
+          <a:fontRef idx="minor">
+            <a:schemeClr val="lt1"/>
+          </a:fontRef>
+        </p:style>
+        <p:txBody>
+          <a:bodyPr rtlCol="0" anchor="ctr"/>
+          <a:lstStyle/>
+          <a:p>
+            <a:pPr algn="ctr"/>
+            <a:endParaRPr lang="zh-CN" altLang="en-US"/>
+          </a:p>
+        </p:txBody>
+      </p:sp>
+      <p:sp>
+        <p:nvSpPr>
+          <p:cNvPr id="18" name="矩形 17"/>
+          <p:cNvSpPr/>
+          <p:nvPr/>
+        </p:nvSpPr>
+        <p:spPr>
+          <a:xfrm>
+            <a:off x="5040021" y="1418182"/>
+            <a:ext cx="1639830" cy="400110"/>
+          </a:xfrm>
+          <a:prstGeom prst="rect">
+            <a:avLst/>
+          </a:prstGeom>
+        </p:spPr>
+        <p:txBody>
+          <a:bodyPr wrap="square">
+            <a:spAutoFit/>
+          </a:bodyPr>
+          <a:lstStyle/>
+          <a:p>
+            <a:r>
+              <a:rPr lang="zh-CN" altLang="en-US" sz="2000" b="1" dirty="0" smtClean="0"/>
+              <a:t>OS</a:t>
+            </a:r>
+            <a:r>
+              <a:rPr lang="en-US" altLang="zh-CN" sz="2000" b="1" dirty="0" smtClean="0"/>
+              <a:t>Event</a:t>
+            </a:r>
+            <a:r>
+              <a:rPr lang="zh-CN" altLang="en-US" sz="2000" b="1" dirty="0" smtClean="0"/>
+              <a:t>Tbl</a:t>
+            </a:r>
+            <a:endParaRPr lang="zh-CN" altLang="en-US" sz="2000" b="1" dirty="0"/>
+          </a:p>
+        </p:txBody>
+      </p:sp>
+    </p:spTree>
+    <p:extLst>
+      <p:ext uri="{BB962C8B-B14F-4D97-AF65-F5344CB8AC3E}">
+        <p14:creationId xmlns:p14="http://schemas.microsoft.com/office/powerpoint/2010/main" val="773453221"/>
+      </p:ext>
+    </p:extLst>
+  </p:cSld>
+  <p:clrMapOvr>
+    <a:masterClrMapping/>
+  </p:clrMapOvr>
+</p:sld>
+</file>
+
 <file path=ppt/theme/theme1.xml><?xml version="1.0" encoding="utf-8"?>
 <a:theme xmlns:a="http://schemas.openxmlformats.org/drawingml/2006/main" name="Office 主题​​">
   <a:themeElements>
